--- a/InfoSec Workshop/Passwords.pptx
+++ b/InfoSec Workshop/Passwords.pptx
@@ -182,7 +182,7 @@
           <a:noFill/>
           <a:extLst>
             <a:ext uri="{909E8E84-426E-40dd-AFC4-6F175D3DCCD1}">
-              <a14:hiddenFill xmlns="" xmlns:a14="http://schemas.microsoft.com/office/drawing/2010/main">
+              <a14:hiddenFill xmlns:a14="http://schemas.microsoft.com/office/drawing/2010/main" xmlns="">
                 <a:solidFill>
                   <a:srgbClr val="FFFFFF"/>
                 </a:solidFill>
@@ -241,7 +241,7 @@
             </a:ln>
             <a:extLst>
               <a:ext uri="{91240B29-F687-4f45-9708-019B960494DF}">
-                <a14:hiddenLine xmlns="" xmlns:a14="http://schemas.microsoft.com/office/drawing/2010/main" w="9525">
+                <a14:hiddenLine xmlns:a14="http://schemas.microsoft.com/office/drawing/2010/main" xmlns="" w="9525">
                   <a:solidFill>
                     <a:srgbClr val="000000"/>
                   </a:solidFill>
@@ -331,7 +331,7 @@
             </a:ln>
             <a:extLst>
               <a:ext uri="{91240B29-F687-4f45-9708-019B960494DF}">
-                <a14:hiddenLine xmlns="" xmlns:a14="http://schemas.microsoft.com/office/drawing/2010/main" w="9525">
+                <a14:hiddenLine xmlns:a14="http://schemas.microsoft.com/office/drawing/2010/main" xmlns="" w="9525">
                   <a:solidFill>
                     <a:srgbClr val="000000"/>
                   </a:solidFill>
@@ -421,7 +421,7 @@
             </a:ln>
             <a:extLst>
               <a:ext uri="{91240B29-F687-4f45-9708-019B960494DF}">
-                <a14:hiddenLine xmlns="" xmlns:a14="http://schemas.microsoft.com/office/drawing/2010/main" w="9525">
+                <a14:hiddenLine xmlns:a14="http://schemas.microsoft.com/office/drawing/2010/main" xmlns="" w="9525">
                   <a:solidFill>
                     <a:srgbClr val="000000"/>
                   </a:solidFill>
@@ -455,7 +455,7 @@
             </a:ln>
             <a:extLst>
               <a:ext uri="{91240B29-F687-4f45-9708-019B960494DF}">
-                <a14:hiddenLine xmlns="" xmlns:a14="http://schemas.microsoft.com/office/drawing/2010/main" w="9525">
+                <a14:hiddenLine xmlns:a14="http://schemas.microsoft.com/office/drawing/2010/main" xmlns="" w="9525">
                   <a:solidFill>
                     <a:srgbClr val="000000"/>
                   </a:solidFill>
@@ -545,7 +545,7 @@
             </a:ln>
             <a:extLst>
               <a:ext uri="{91240B29-F687-4f45-9708-019B960494DF}">
-                <a14:hiddenLine xmlns="" xmlns:a14="http://schemas.microsoft.com/office/drawing/2010/main" w="9525">
+                <a14:hiddenLine xmlns:a14="http://schemas.microsoft.com/office/drawing/2010/main" xmlns="" w="9525">
                   <a:solidFill>
                     <a:srgbClr val="000000"/>
                   </a:solidFill>
@@ -607,7 +607,7 @@
             </a:ln>
             <a:extLst>
               <a:ext uri="{91240B29-F687-4f45-9708-019B960494DF}">
-                <a14:hiddenLine xmlns="" xmlns:a14="http://schemas.microsoft.com/office/drawing/2010/main" w="9525">
+                <a14:hiddenLine xmlns:a14="http://schemas.microsoft.com/office/drawing/2010/main" xmlns="" w="9525">
                   <a:solidFill>
                     <a:srgbClr val="000000"/>
                   </a:solidFill>
@@ -669,7 +669,7 @@
             </a:ln>
             <a:extLst>
               <a:ext uri="{91240B29-F687-4f45-9708-019B960494DF}">
-                <a14:hiddenLine xmlns="" xmlns:a14="http://schemas.microsoft.com/office/drawing/2010/main" w="9525">
+                <a14:hiddenLine xmlns:a14="http://schemas.microsoft.com/office/drawing/2010/main" xmlns="" w="9525">
                   <a:solidFill>
                     <a:srgbClr val="000000"/>
                   </a:solidFill>
@@ -759,7 +759,7 @@
             </a:ln>
             <a:extLst>
               <a:ext uri="{91240B29-F687-4f45-9708-019B960494DF}">
-                <a14:hiddenLine xmlns="" xmlns:a14="http://schemas.microsoft.com/office/drawing/2010/main" w="9525">
+                <a14:hiddenLine xmlns:a14="http://schemas.microsoft.com/office/drawing/2010/main" xmlns="" w="9525">
                   <a:solidFill>
                     <a:srgbClr val="000000"/>
                   </a:solidFill>
@@ -821,7 +821,7 @@
             </a:ln>
             <a:extLst>
               <a:ext uri="{91240B29-F687-4f45-9708-019B960494DF}">
-                <a14:hiddenLine xmlns="" xmlns:a14="http://schemas.microsoft.com/office/drawing/2010/main" w="9525">
+                <a14:hiddenLine xmlns:a14="http://schemas.microsoft.com/office/drawing/2010/main" xmlns="" w="9525">
                   <a:solidFill>
                     <a:srgbClr val="000000"/>
                   </a:solidFill>
@@ -883,7 +883,7 @@
             </a:ln>
             <a:extLst>
               <a:ext uri="{91240B29-F687-4f45-9708-019B960494DF}">
-                <a14:hiddenLine xmlns="" xmlns:a14="http://schemas.microsoft.com/office/drawing/2010/main" w="9525">
+                <a14:hiddenLine xmlns:a14="http://schemas.microsoft.com/office/drawing/2010/main" xmlns="" w="9525">
                   <a:solidFill>
                     <a:srgbClr val="000000"/>
                   </a:solidFill>
@@ -973,7 +973,7 @@
             </a:ln>
             <a:extLst>
               <a:ext uri="{91240B29-F687-4f45-9708-019B960494DF}">
-                <a14:hiddenLine xmlns="" xmlns:a14="http://schemas.microsoft.com/office/drawing/2010/main" w="9525">
+                <a14:hiddenLine xmlns:a14="http://schemas.microsoft.com/office/drawing/2010/main" xmlns="" w="9525">
                   <a:solidFill>
                     <a:srgbClr val="000000"/>
                   </a:solidFill>
@@ -1063,7 +1063,7 @@
             </a:ln>
             <a:extLst>
               <a:ext uri="{91240B29-F687-4f45-9708-019B960494DF}">
-                <a14:hiddenLine xmlns="" xmlns:a14="http://schemas.microsoft.com/office/drawing/2010/main" w="9525">
+                <a14:hiddenLine xmlns:a14="http://schemas.microsoft.com/office/drawing/2010/main" xmlns="" w="9525">
                   <a:solidFill>
                     <a:srgbClr val="000000"/>
                   </a:solidFill>
@@ -1125,7 +1125,7 @@
             </a:ln>
             <a:extLst>
               <a:ext uri="{91240B29-F687-4f45-9708-019B960494DF}">
-                <a14:hiddenLine xmlns="" xmlns:a14="http://schemas.microsoft.com/office/drawing/2010/main" w="9525">
+                <a14:hiddenLine xmlns:a14="http://schemas.microsoft.com/office/drawing/2010/main" xmlns="" w="9525">
                   <a:solidFill>
                     <a:srgbClr val="000000"/>
                   </a:solidFill>
@@ -1235,7 +1235,7 @@
             </a:ln>
             <a:extLst>
               <a:ext uri="{91240B29-F687-4f45-9708-019B960494DF}">
-                <a14:hiddenLine xmlns="" xmlns:a14="http://schemas.microsoft.com/office/drawing/2010/main" w="9525">
+                <a14:hiddenLine xmlns:a14="http://schemas.microsoft.com/office/drawing/2010/main" xmlns="" w="9525">
                   <a:solidFill>
                     <a:srgbClr val="000000"/>
                   </a:solidFill>
@@ -1297,7 +1297,7 @@
             </a:ln>
             <a:extLst>
               <a:ext uri="{91240B29-F687-4f45-9708-019B960494DF}">
-                <a14:hiddenLine xmlns="" xmlns:a14="http://schemas.microsoft.com/office/drawing/2010/main" w="9525">
+                <a14:hiddenLine xmlns:a14="http://schemas.microsoft.com/office/drawing/2010/main" xmlns="" w="9525">
                   <a:solidFill>
                     <a:srgbClr val="000000"/>
                   </a:solidFill>
@@ -1387,7 +1387,7 @@
             </a:ln>
             <a:extLst>
               <a:ext uri="{91240B29-F687-4f45-9708-019B960494DF}">
-                <a14:hiddenLine xmlns="" xmlns:a14="http://schemas.microsoft.com/office/drawing/2010/main" w="9525">
+                <a14:hiddenLine xmlns:a14="http://schemas.microsoft.com/office/drawing/2010/main" xmlns="" w="9525">
                   <a:solidFill>
                     <a:srgbClr val="000000"/>
                   </a:solidFill>
@@ -1477,7 +1477,7 @@
             </a:ln>
             <a:extLst>
               <a:ext uri="{91240B29-F687-4f45-9708-019B960494DF}">
-                <a14:hiddenLine xmlns="" xmlns:a14="http://schemas.microsoft.com/office/drawing/2010/main" w="9525">
+                <a14:hiddenLine xmlns:a14="http://schemas.microsoft.com/office/drawing/2010/main" xmlns="" w="9525">
                   <a:solidFill>
                     <a:srgbClr val="000000"/>
                   </a:solidFill>
@@ -1539,7 +1539,7 @@
             </a:ln>
             <a:extLst>
               <a:ext uri="{91240B29-F687-4f45-9708-019B960494DF}">
-                <a14:hiddenLine xmlns="" xmlns:a14="http://schemas.microsoft.com/office/drawing/2010/main" w="9525">
+                <a14:hiddenLine xmlns:a14="http://schemas.microsoft.com/office/drawing/2010/main" xmlns="" w="9525">
                   <a:solidFill>
                     <a:srgbClr val="000000"/>
                   </a:solidFill>
@@ -1629,7 +1629,7 @@
             </a:ln>
             <a:extLst>
               <a:ext uri="{91240B29-F687-4f45-9708-019B960494DF}">
-                <a14:hiddenLine xmlns="" xmlns:a14="http://schemas.microsoft.com/office/drawing/2010/main" w="9525">
+                <a14:hiddenLine xmlns:a14="http://schemas.microsoft.com/office/drawing/2010/main" xmlns="" w="9525">
                   <a:solidFill>
                     <a:srgbClr val="000000"/>
                   </a:solidFill>
@@ -1719,7 +1719,7 @@
             </a:ln>
             <a:extLst>
               <a:ext uri="{91240B29-F687-4f45-9708-019B960494DF}">
-                <a14:hiddenLine xmlns="" xmlns:a14="http://schemas.microsoft.com/office/drawing/2010/main" w="9525">
+                <a14:hiddenLine xmlns:a14="http://schemas.microsoft.com/office/drawing/2010/main" xmlns="" w="9525">
                   <a:solidFill>
                     <a:srgbClr val="000000"/>
                   </a:solidFill>
@@ -1775,7 +1775,7 @@
             </a:ln>
             <a:extLst>
               <a:ext uri="{91240B29-F687-4f45-9708-019B960494DF}">
-                <a14:hiddenLine xmlns="" xmlns:a14="http://schemas.microsoft.com/office/drawing/2010/main" w="9525">
+                <a14:hiddenLine xmlns:a14="http://schemas.microsoft.com/office/drawing/2010/main" xmlns="" w="9525">
                   <a:solidFill>
                     <a:srgbClr val="000000"/>
                   </a:solidFill>
@@ -1865,7 +1865,7 @@
             </a:ln>
             <a:extLst>
               <a:ext uri="{91240B29-F687-4f45-9708-019B960494DF}">
-                <a14:hiddenLine xmlns="" xmlns:a14="http://schemas.microsoft.com/office/drawing/2010/main" w="9525">
+                <a14:hiddenLine xmlns:a14="http://schemas.microsoft.com/office/drawing/2010/main" xmlns="" w="9525">
                   <a:solidFill>
                     <a:srgbClr val="000000"/>
                   </a:solidFill>
@@ -1921,7 +1921,7 @@
             </a:ln>
             <a:extLst>
               <a:ext uri="{91240B29-F687-4f45-9708-019B960494DF}">
-                <a14:hiddenLine xmlns="" xmlns:a14="http://schemas.microsoft.com/office/drawing/2010/main" w="9525">
+                <a14:hiddenLine xmlns:a14="http://schemas.microsoft.com/office/drawing/2010/main" xmlns="" w="9525">
                   <a:solidFill>
                     <a:srgbClr val="000000"/>
                   </a:solidFill>
@@ -2011,7 +2011,7 @@
             </a:ln>
             <a:extLst>
               <a:ext uri="{91240B29-F687-4f45-9708-019B960494DF}">
-                <a14:hiddenLine xmlns="" xmlns:a14="http://schemas.microsoft.com/office/drawing/2010/main" w="9525">
+                <a14:hiddenLine xmlns:a14="http://schemas.microsoft.com/office/drawing/2010/main" xmlns="" w="9525">
                   <a:solidFill>
                     <a:srgbClr val="000000"/>
                   </a:solidFill>
@@ -2079,7 +2079,7 @@
             </a:ln>
             <a:extLst>
               <a:ext uri="{91240B29-F687-4f45-9708-019B960494DF}">
-                <a14:hiddenLine xmlns="" xmlns:a14="http://schemas.microsoft.com/office/drawing/2010/main" w="9525">
+                <a14:hiddenLine xmlns:a14="http://schemas.microsoft.com/office/drawing/2010/main" xmlns="" w="9525">
                   <a:solidFill>
                     <a:srgbClr val="000000"/>
                   </a:solidFill>
@@ -2169,7 +2169,7 @@
             </a:ln>
             <a:extLst>
               <a:ext uri="{91240B29-F687-4f45-9708-019B960494DF}">
-                <a14:hiddenLine xmlns="" xmlns:a14="http://schemas.microsoft.com/office/drawing/2010/main" w="9525">
+                <a14:hiddenLine xmlns:a14="http://schemas.microsoft.com/office/drawing/2010/main" xmlns="" w="9525">
                   <a:solidFill>
                     <a:srgbClr val="000000"/>
                   </a:solidFill>
@@ -2237,7 +2237,7 @@
             </a:ln>
             <a:extLst>
               <a:ext uri="{91240B29-F687-4f45-9708-019B960494DF}">
-                <a14:hiddenLine xmlns="" xmlns:a14="http://schemas.microsoft.com/office/drawing/2010/main" w="9525">
+                <a14:hiddenLine xmlns:a14="http://schemas.microsoft.com/office/drawing/2010/main" xmlns="" w="9525">
                   <a:solidFill>
                     <a:srgbClr val="000000"/>
                   </a:solidFill>
@@ -2327,7 +2327,7 @@
             </a:ln>
             <a:extLst>
               <a:ext uri="{91240B29-F687-4f45-9708-019B960494DF}">
-                <a14:hiddenLine xmlns="" xmlns:a14="http://schemas.microsoft.com/office/drawing/2010/main" w="9525">
+                <a14:hiddenLine xmlns:a14="http://schemas.microsoft.com/office/drawing/2010/main" xmlns="" w="9525">
                   <a:solidFill>
                     <a:srgbClr val="000000"/>
                   </a:solidFill>
@@ -2361,7 +2361,7 @@
             </a:ln>
             <a:extLst>
               <a:ext uri="{91240B29-F687-4f45-9708-019B960494DF}">
-                <a14:hiddenLine xmlns="" xmlns:a14="http://schemas.microsoft.com/office/drawing/2010/main" w="9525">
+                <a14:hiddenLine xmlns:a14="http://schemas.microsoft.com/office/drawing/2010/main" xmlns="" w="9525">
                   <a:solidFill>
                     <a:srgbClr val="000000"/>
                   </a:solidFill>
@@ -2451,7 +2451,7 @@
             </a:ln>
             <a:extLst>
               <a:ext uri="{91240B29-F687-4f45-9708-019B960494DF}">
-                <a14:hiddenLine xmlns="" xmlns:a14="http://schemas.microsoft.com/office/drawing/2010/main" w="9525">
+                <a14:hiddenLine xmlns:a14="http://schemas.microsoft.com/office/drawing/2010/main" xmlns="" w="9525">
                   <a:solidFill>
                     <a:srgbClr val="000000"/>
                   </a:solidFill>
@@ -2513,7 +2513,7 @@
             </a:ln>
             <a:extLst>
               <a:ext uri="{91240B29-F687-4f45-9708-019B960494DF}">
-                <a14:hiddenLine xmlns="" xmlns:a14="http://schemas.microsoft.com/office/drawing/2010/main" w="9525">
+                <a14:hiddenLine xmlns:a14="http://schemas.microsoft.com/office/drawing/2010/main" xmlns="" w="9525">
                   <a:solidFill>
                     <a:srgbClr val="000000"/>
                   </a:solidFill>
@@ -2575,7 +2575,7 @@
             </a:ln>
             <a:extLst>
               <a:ext uri="{91240B29-F687-4f45-9708-019B960494DF}">
-                <a14:hiddenLine xmlns="" xmlns:a14="http://schemas.microsoft.com/office/drawing/2010/main" w="9525">
+                <a14:hiddenLine xmlns:a14="http://schemas.microsoft.com/office/drawing/2010/main" xmlns="" w="9525">
                   <a:solidFill>
                     <a:srgbClr val="000000"/>
                   </a:solidFill>
@@ -2665,7 +2665,7 @@
             </a:ln>
             <a:extLst>
               <a:ext uri="{91240B29-F687-4f45-9708-019B960494DF}">
-                <a14:hiddenLine xmlns="" xmlns:a14="http://schemas.microsoft.com/office/drawing/2010/main" w="9525">
+                <a14:hiddenLine xmlns:a14="http://schemas.microsoft.com/office/drawing/2010/main" xmlns="" w="9525">
                   <a:solidFill>
                     <a:srgbClr val="000000"/>
                   </a:solidFill>
@@ -2733,7 +2733,7 @@
             </a:ln>
             <a:extLst>
               <a:ext uri="{91240B29-F687-4f45-9708-019B960494DF}">
-                <a14:hiddenLine xmlns="" xmlns:a14="http://schemas.microsoft.com/office/drawing/2010/main" w="9525">
+                <a14:hiddenLine xmlns:a14="http://schemas.microsoft.com/office/drawing/2010/main" xmlns="" w="9525">
                   <a:solidFill>
                     <a:srgbClr val="000000"/>
                   </a:solidFill>
@@ -2795,7 +2795,7 @@
             </a:ln>
             <a:extLst>
               <a:ext uri="{91240B29-F687-4f45-9708-019B960494DF}">
-                <a14:hiddenLine xmlns="" xmlns:a14="http://schemas.microsoft.com/office/drawing/2010/main" w="9525">
+                <a14:hiddenLine xmlns:a14="http://schemas.microsoft.com/office/drawing/2010/main" xmlns="" w="9525">
                   <a:solidFill>
                     <a:srgbClr val="000000"/>
                   </a:solidFill>
@@ -2885,7 +2885,7 @@
             </a:ln>
             <a:extLst>
               <a:ext uri="{91240B29-F687-4f45-9708-019B960494DF}">
-                <a14:hiddenLine xmlns="" xmlns:a14="http://schemas.microsoft.com/office/drawing/2010/main" w="9525">
+                <a14:hiddenLine xmlns:a14="http://schemas.microsoft.com/office/drawing/2010/main" xmlns="" w="9525">
                   <a:solidFill>
                     <a:srgbClr val="000000"/>
                   </a:solidFill>
@@ -2947,7 +2947,7 @@
             </a:ln>
             <a:extLst>
               <a:ext uri="{91240B29-F687-4f45-9708-019B960494DF}">
-                <a14:hiddenLine xmlns="" xmlns:a14="http://schemas.microsoft.com/office/drawing/2010/main" w="9525">
+                <a14:hiddenLine xmlns:a14="http://schemas.microsoft.com/office/drawing/2010/main" xmlns="" w="9525">
                   <a:solidFill>
                     <a:srgbClr val="000000"/>
                   </a:solidFill>
@@ -3037,7 +3037,7 @@
             </a:ln>
             <a:extLst>
               <a:ext uri="{91240B29-F687-4f45-9708-019B960494DF}">
-                <a14:hiddenLine xmlns="" xmlns:a14="http://schemas.microsoft.com/office/drawing/2010/main" w="9525">
+                <a14:hiddenLine xmlns:a14="http://schemas.microsoft.com/office/drawing/2010/main" xmlns="" w="9525">
                   <a:solidFill>
                     <a:srgbClr val="000000"/>
                   </a:solidFill>
@@ -3099,7 +3099,7 @@
             </a:ln>
             <a:extLst>
               <a:ext uri="{91240B29-F687-4f45-9708-019B960494DF}">
-                <a14:hiddenLine xmlns="" xmlns:a14="http://schemas.microsoft.com/office/drawing/2010/main" w="9525">
+                <a14:hiddenLine xmlns:a14="http://schemas.microsoft.com/office/drawing/2010/main" xmlns="" w="9525">
                   <a:solidFill>
                     <a:srgbClr val="000000"/>
                   </a:solidFill>
@@ -3189,7 +3189,7 @@
             </a:ln>
             <a:extLst>
               <a:ext uri="{91240B29-F687-4f45-9708-019B960494DF}">
-                <a14:hiddenLine xmlns="" xmlns:a14="http://schemas.microsoft.com/office/drawing/2010/main" w="9525">
+                <a14:hiddenLine xmlns:a14="http://schemas.microsoft.com/office/drawing/2010/main" xmlns="" w="9525">
                   <a:solidFill>
                     <a:srgbClr val="000000"/>
                   </a:solidFill>
@@ -3223,7 +3223,7 @@
             </a:ln>
             <a:extLst>
               <a:ext uri="{91240B29-F687-4f45-9708-019B960494DF}">
-                <a14:hiddenLine xmlns="" xmlns:a14="http://schemas.microsoft.com/office/drawing/2010/main" w="9525">
+                <a14:hiddenLine xmlns:a14="http://schemas.microsoft.com/office/drawing/2010/main" xmlns="" w="9525">
                   <a:solidFill>
                     <a:srgbClr val="000000"/>
                   </a:solidFill>
@@ -3288,7 +3288,7 @@
             </a:ln>
             <a:extLst>
               <a:ext uri="{91240B29-F687-4f45-9708-019B960494DF}">
-                <a14:hiddenLine xmlns="" xmlns:a14="http://schemas.microsoft.com/office/drawing/2010/main" w="9525">
+                <a14:hiddenLine xmlns:a14="http://schemas.microsoft.com/office/drawing/2010/main" xmlns="" w="9525">
                   <a:solidFill>
                     <a:srgbClr val="000000"/>
                   </a:solidFill>
@@ -3378,7 +3378,7 @@
             </a:ln>
             <a:extLst>
               <a:ext uri="{91240B29-F687-4f45-9708-019B960494DF}">
-                <a14:hiddenLine xmlns="" xmlns:a14="http://schemas.microsoft.com/office/drawing/2010/main" w="9525">
+                <a14:hiddenLine xmlns:a14="http://schemas.microsoft.com/office/drawing/2010/main" xmlns="" w="9525">
                   <a:solidFill>
                     <a:srgbClr val="000000"/>
                   </a:solidFill>
@@ -3440,7 +3440,7 @@
             </a:ln>
             <a:extLst>
               <a:ext uri="{91240B29-F687-4f45-9708-019B960494DF}">
-                <a14:hiddenLine xmlns="" xmlns:a14="http://schemas.microsoft.com/office/drawing/2010/main" w="9525">
+                <a14:hiddenLine xmlns:a14="http://schemas.microsoft.com/office/drawing/2010/main" xmlns="" w="9525">
                   <a:solidFill>
                     <a:srgbClr val="000000"/>
                   </a:solidFill>
@@ -3530,7 +3530,7 @@
             </a:ln>
             <a:extLst>
               <a:ext uri="{91240B29-F687-4f45-9708-019B960494DF}">
-                <a14:hiddenLine xmlns="" xmlns:a14="http://schemas.microsoft.com/office/drawing/2010/main" w="9525">
+                <a14:hiddenLine xmlns:a14="http://schemas.microsoft.com/office/drawing/2010/main" xmlns="" w="9525">
                   <a:solidFill>
                     <a:srgbClr val="000000"/>
                   </a:solidFill>
@@ -3620,7 +3620,7 @@
             </a:ln>
             <a:extLst>
               <a:ext uri="{91240B29-F687-4f45-9708-019B960494DF}">
-                <a14:hiddenLine xmlns="" xmlns:a14="http://schemas.microsoft.com/office/drawing/2010/main" w="9525">
+                <a14:hiddenLine xmlns:a14="http://schemas.microsoft.com/office/drawing/2010/main" xmlns="" w="9525">
                   <a:solidFill>
                     <a:srgbClr val="000000"/>
                   </a:solidFill>
@@ -3685,7 +3685,7 @@
             </a:ln>
             <a:extLst>
               <a:ext uri="{91240B29-F687-4f45-9708-019B960494DF}">
-                <a14:hiddenLine xmlns="" xmlns:a14="http://schemas.microsoft.com/office/drawing/2010/main" w="9525">
+                <a14:hiddenLine xmlns:a14="http://schemas.microsoft.com/office/drawing/2010/main" xmlns="" w="9525">
                   <a:solidFill>
                     <a:srgbClr val="000000"/>
                   </a:solidFill>
@@ -3747,7 +3747,7 @@
             </a:ln>
             <a:extLst>
               <a:ext uri="{91240B29-F687-4f45-9708-019B960494DF}">
-                <a14:hiddenLine xmlns="" xmlns:a14="http://schemas.microsoft.com/office/drawing/2010/main" w="9525">
+                <a14:hiddenLine xmlns:a14="http://schemas.microsoft.com/office/drawing/2010/main" xmlns="" w="9525">
                   <a:solidFill>
                     <a:srgbClr val="000000"/>
                   </a:solidFill>
@@ -3837,7 +3837,7 @@
             </a:ln>
             <a:extLst>
               <a:ext uri="{91240B29-F687-4f45-9708-019B960494DF}">
-                <a14:hiddenLine xmlns="" xmlns:a14="http://schemas.microsoft.com/office/drawing/2010/main" w="9525">
+                <a14:hiddenLine xmlns:a14="http://schemas.microsoft.com/office/drawing/2010/main" xmlns="" w="9525">
                   <a:solidFill>
                     <a:srgbClr val="000000"/>
                   </a:solidFill>
@@ -3927,7 +3927,7 @@
             </a:ln>
             <a:extLst>
               <a:ext uri="{91240B29-F687-4f45-9708-019B960494DF}">
-                <a14:hiddenLine xmlns="" xmlns:a14="http://schemas.microsoft.com/office/drawing/2010/main" w="9525">
+                <a14:hiddenLine xmlns:a14="http://schemas.microsoft.com/office/drawing/2010/main" xmlns="" w="9525">
                   <a:solidFill>
                     <a:srgbClr val="000000"/>
                   </a:solidFill>
@@ -3989,7 +3989,7 @@
             </a:ln>
             <a:extLst>
               <a:ext uri="{91240B29-F687-4f45-9708-019B960494DF}">
-                <a14:hiddenLine xmlns="" xmlns:a14="http://schemas.microsoft.com/office/drawing/2010/main" w="9525">
+                <a14:hiddenLine xmlns:a14="http://schemas.microsoft.com/office/drawing/2010/main" xmlns="" w="9525">
                   <a:solidFill>
                     <a:srgbClr val="000000"/>
                   </a:solidFill>
@@ -4109,7 +4109,7 @@
             </a:ln>
             <a:extLst>
               <a:ext uri="{91240B29-F687-4f45-9708-019B960494DF}">
-                <a14:hiddenLine xmlns="" xmlns:a14="http://schemas.microsoft.com/office/drawing/2010/main" w="9525">
+                <a14:hiddenLine xmlns:a14="http://schemas.microsoft.com/office/drawing/2010/main" xmlns="" w="9525">
                   <a:solidFill>
                     <a:srgbClr val="000000"/>
                   </a:solidFill>
@@ -4177,7 +4177,7 @@
             </a:ln>
             <a:extLst>
               <a:ext uri="{91240B29-F687-4f45-9708-019B960494DF}">
-                <a14:hiddenLine xmlns="" xmlns:a14="http://schemas.microsoft.com/office/drawing/2010/main" w="9525">
+                <a14:hiddenLine xmlns:a14="http://schemas.microsoft.com/office/drawing/2010/main" xmlns="" w="9525">
                   <a:solidFill>
                     <a:srgbClr val="000000"/>
                   </a:solidFill>
@@ -4267,7 +4267,7 @@
             </a:ln>
             <a:extLst>
               <a:ext uri="{91240B29-F687-4f45-9708-019B960494DF}">
-                <a14:hiddenLine xmlns="" xmlns:a14="http://schemas.microsoft.com/office/drawing/2010/main" w="9525">
+                <a14:hiddenLine xmlns:a14="http://schemas.microsoft.com/office/drawing/2010/main" xmlns="" w="9525">
                   <a:solidFill>
                     <a:srgbClr val="000000"/>
                   </a:solidFill>
@@ -4407,7 +4407,7 @@
           <a:p>
             <a:fld id="{48A87A34-81AB-432B-8DAE-1953F412C126}" type="datetimeFigureOut">
               <a:rPr lang="en-US" dirty="0"/>
-              <a:t>10/26/2014</a:t>
+              <a:t>10/27/2014</a:t>
             </a:fld>
             <a:endParaRPr lang="en-US" dirty="0"/>
           </a:p>
@@ -4669,7 +4669,7 @@
           <a:p>
             <a:fld id="{48A87A34-81AB-432B-8DAE-1953F412C126}" type="datetimeFigureOut">
               <a:rPr lang="en-US" dirty="0"/>
-              <a:t>10/26/2014</a:t>
+              <a:t>10/27/2014</a:t>
             </a:fld>
             <a:endParaRPr lang="en-US" dirty="0"/>
           </a:p>
@@ -4860,7 +4860,7 @@
           <a:p>
             <a:fld id="{48A87A34-81AB-432B-8DAE-1953F412C126}" type="datetimeFigureOut">
               <a:rPr lang="en-US" dirty="0"/>
-              <a:t>10/26/2014</a:t>
+              <a:t>10/27/2014</a:t>
             </a:fld>
             <a:endParaRPr lang="en-US" dirty="0"/>
           </a:p>
@@ -5118,7 +5118,7 @@
           <a:p>
             <a:fld id="{48A87A34-81AB-432B-8DAE-1953F412C126}" type="datetimeFigureOut">
               <a:rPr lang="en-US" dirty="0"/>
-              <a:t>10/26/2014</a:t>
+              <a:t>10/27/2014</a:t>
             </a:fld>
             <a:endParaRPr lang="en-US" dirty="0"/>
           </a:p>
@@ -5547,7 +5547,7 @@
           <a:p>
             <a:fld id="{48A87A34-81AB-432B-8DAE-1953F412C126}" type="datetimeFigureOut">
               <a:rPr lang="en-US" dirty="0"/>
-              <a:t>10/26/2014</a:t>
+              <a:t>10/27/2014</a:t>
             </a:fld>
             <a:endParaRPr lang="en-US" dirty="0"/>
           </a:p>
@@ -6088,7 +6088,7 @@
           <a:p>
             <a:fld id="{48A87A34-81AB-432B-8DAE-1953F412C126}" type="datetimeFigureOut">
               <a:rPr lang="en-US" dirty="0"/>
-              <a:t>10/26/2014</a:t>
+              <a:t>10/27/2014</a:t>
             </a:fld>
             <a:endParaRPr lang="en-US" dirty="0"/>
           </a:p>
@@ -6803,7 +6803,7 @@
           <a:p>
             <a:fld id="{48A87A34-81AB-432B-8DAE-1953F412C126}" type="datetimeFigureOut">
               <a:rPr lang="en-US" dirty="0"/>
-              <a:t>10/26/2014</a:t>
+              <a:t>10/27/2014</a:t>
             </a:fld>
             <a:endParaRPr lang="en-US" dirty="0"/>
           </a:p>
@@ -6968,7 +6968,7 @@
           <a:p>
             <a:fld id="{48A87A34-81AB-432B-8DAE-1953F412C126}" type="datetimeFigureOut">
               <a:rPr lang="en-US" dirty="0"/>
-              <a:t>10/26/2014</a:t>
+              <a:t>10/27/2014</a:t>
             </a:fld>
             <a:endParaRPr lang="en-US" dirty="0"/>
           </a:p>
@@ -7143,7 +7143,7 @@
           <a:p>
             <a:fld id="{48A87A34-81AB-432B-8DAE-1953F412C126}" type="datetimeFigureOut">
               <a:rPr lang="en-US" dirty="0"/>
-              <a:t>10/26/2014</a:t>
+              <a:t>10/27/2014</a:t>
             </a:fld>
             <a:endParaRPr lang="en-US" dirty="0"/>
           </a:p>
@@ -7308,7 +7308,7 @@
           <a:p>
             <a:fld id="{48A87A34-81AB-432B-8DAE-1953F412C126}" type="datetimeFigureOut">
               <a:rPr lang="en-US" dirty="0"/>
-              <a:t>10/26/2014</a:t>
+              <a:t>10/27/2014</a:t>
             </a:fld>
             <a:endParaRPr lang="en-US" dirty="0"/>
           </a:p>
@@ -7553,7 +7553,7 @@
           <a:p>
             <a:fld id="{48A87A34-81AB-432B-8DAE-1953F412C126}" type="datetimeFigureOut">
               <a:rPr lang="en-US" dirty="0"/>
-              <a:t>10/26/2014</a:t>
+              <a:t>10/27/2014</a:t>
             </a:fld>
             <a:endParaRPr lang="en-US" dirty="0"/>
           </a:p>
@@ -7780,7 +7780,7 @@
           <a:p>
             <a:fld id="{48A87A34-81AB-432B-8DAE-1953F412C126}" type="datetimeFigureOut">
               <a:rPr lang="en-US" dirty="0"/>
-              <a:t>10/26/2014</a:t>
+              <a:t>10/27/2014</a:t>
             </a:fld>
             <a:endParaRPr lang="en-US" dirty="0"/>
           </a:p>
@@ -8156,7 +8156,7 @@
           <a:p>
             <a:fld id="{48A87A34-81AB-432B-8DAE-1953F412C126}" type="datetimeFigureOut">
               <a:rPr lang="en-US" dirty="0"/>
-              <a:t>10/26/2014</a:t>
+              <a:t>10/27/2014</a:t>
             </a:fld>
             <a:endParaRPr lang="en-US" dirty="0"/>
           </a:p>
@@ -8269,7 +8269,7 @@
           <a:p>
             <a:fld id="{48A87A34-81AB-432B-8DAE-1953F412C126}" type="datetimeFigureOut">
               <a:rPr lang="en-US" dirty="0"/>
-              <a:t>10/26/2014</a:t>
+              <a:t>10/27/2014</a:t>
             </a:fld>
             <a:endParaRPr lang="en-US" dirty="0"/>
           </a:p>
@@ -8359,7 +8359,7 @@
           <a:p>
             <a:fld id="{48A87A34-81AB-432B-8DAE-1953F412C126}" type="datetimeFigureOut">
               <a:rPr lang="en-US" dirty="0"/>
-              <a:t>10/26/2014</a:t>
+              <a:t>10/27/2014</a:t>
             </a:fld>
             <a:endParaRPr lang="en-US" dirty="0"/>
           </a:p>
@@ -8603,7 +8603,7 @@
           <a:p>
             <a:fld id="{48A87A34-81AB-432B-8DAE-1953F412C126}" type="datetimeFigureOut">
               <a:rPr lang="en-US" dirty="0"/>
-              <a:t>10/26/2014</a:t>
+              <a:t>10/27/2014</a:t>
             </a:fld>
             <a:endParaRPr lang="en-US" dirty="0"/>
           </a:p>
@@ -8878,7 +8878,7 @@
           <a:p>
             <a:fld id="{48A87A34-81AB-432B-8DAE-1953F412C126}" type="datetimeFigureOut">
               <a:rPr lang="en-US" dirty="0"/>
-              <a:t>10/26/2014</a:t>
+              <a:t>10/27/2014</a:t>
             </a:fld>
             <a:endParaRPr lang="en-US" dirty="0"/>
           </a:p>
@@ -8996,7 +8996,7 @@
           <a:noFill/>
           <a:extLst>
             <a:ext uri="{909E8E84-426E-40dd-AFC4-6F175D3DCCD1}">
-              <a14:hiddenFill xmlns="" xmlns:a14="http://schemas.microsoft.com/office/drawing/2010/main">
+              <a14:hiddenFill xmlns:a14="http://schemas.microsoft.com/office/drawing/2010/main" xmlns="">
                 <a:solidFill>
                   <a:srgbClr val="FFFFFF"/>
                 </a:solidFill>
@@ -9070,7 +9070,7 @@
               </a:ln>
               <a:extLst>
                 <a:ext uri="{91240B29-F687-4f45-9708-019B960494DF}">
-                  <a14:hiddenLine xmlns="" xmlns:a14="http://schemas.microsoft.com/office/drawing/2010/main" w="9525">
+                  <a14:hiddenLine xmlns:a14="http://schemas.microsoft.com/office/drawing/2010/main" xmlns="" w="9525">
                     <a:solidFill>
                       <a:srgbClr val="000000"/>
                     </a:solidFill>
@@ -9160,7 +9160,7 @@
               </a:ln>
               <a:extLst>
                 <a:ext uri="{91240B29-F687-4f45-9708-019B960494DF}">
-                  <a14:hiddenLine xmlns="" xmlns:a14="http://schemas.microsoft.com/office/drawing/2010/main" w="9525">
+                  <a14:hiddenLine xmlns:a14="http://schemas.microsoft.com/office/drawing/2010/main" xmlns="" w="9525">
                     <a:solidFill>
                       <a:srgbClr val="000000"/>
                     </a:solidFill>
@@ -9250,7 +9250,7 @@
               </a:ln>
               <a:extLst>
                 <a:ext uri="{91240B29-F687-4f45-9708-019B960494DF}">
-                  <a14:hiddenLine xmlns="" xmlns:a14="http://schemas.microsoft.com/office/drawing/2010/main" w="9525">
+                  <a14:hiddenLine xmlns:a14="http://schemas.microsoft.com/office/drawing/2010/main" xmlns="" w="9525">
                     <a:solidFill>
                       <a:srgbClr val="000000"/>
                     </a:solidFill>
@@ -9312,7 +9312,7 @@
               </a:ln>
               <a:extLst>
                 <a:ext uri="{91240B29-F687-4f45-9708-019B960494DF}">
-                  <a14:hiddenLine xmlns="" xmlns:a14="http://schemas.microsoft.com/office/drawing/2010/main" w="9525">
+                  <a14:hiddenLine xmlns:a14="http://schemas.microsoft.com/office/drawing/2010/main" xmlns="" w="9525">
                     <a:solidFill>
                       <a:srgbClr val="000000"/>
                     </a:solidFill>
@@ -9402,7 +9402,7 @@
               </a:ln>
               <a:extLst>
                 <a:ext uri="{91240B29-F687-4f45-9708-019B960494DF}">
-                  <a14:hiddenLine xmlns="" xmlns:a14="http://schemas.microsoft.com/office/drawing/2010/main" w="9525">
+                  <a14:hiddenLine xmlns:a14="http://schemas.microsoft.com/office/drawing/2010/main" xmlns="" w="9525">
                     <a:solidFill>
                       <a:srgbClr val="000000"/>
                     </a:solidFill>
@@ -9464,7 +9464,7 @@
               </a:ln>
               <a:extLst>
                 <a:ext uri="{91240B29-F687-4f45-9708-019B960494DF}">
-                  <a14:hiddenLine xmlns="" xmlns:a14="http://schemas.microsoft.com/office/drawing/2010/main" w="9525">
+                  <a14:hiddenLine xmlns:a14="http://schemas.microsoft.com/office/drawing/2010/main" xmlns="" w="9525">
                     <a:solidFill>
                       <a:srgbClr val="000000"/>
                     </a:solidFill>
@@ -9526,7 +9526,7 @@
               </a:ln>
               <a:extLst>
                 <a:ext uri="{91240B29-F687-4f45-9708-019B960494DF}">
-                  <a14:hiddenLine xmlns="" xmlns:a14="http://schemas.microsoft.com/office/drawing/2010/main" w="9525">
+                  <a14:hiddenLine xmlns:a14="http://schemas.microsoft.com/office/drawing/2010/main" xmlns="" w="9525">
                     <a:solidFill>
                       <a:srgbClr val="000000"/>
                     </a:solidFill>
@@ -9616,7 +9616,7 @@
               </a:ln>
               <a:extLst>
                 <a:ext uri="{91240B29-F687-4f45-9708-019B960494DF}">
-                  <a14:hiddenLine xmlns="" xmlns:a14="http://schemas.microsoft.com/office/drawing/2010/main" w="9525">
+                  <a14:hiddenLine xmlns:a14="http://schemas.microsoft.com/office/drawing/2010/main" xmlns="" w="9525">
                     <a:solidFill>
                       <a:srgbClr val="000000"/>
                     </a:solidFill>
@@ -9706,7 +9706,7 @@
               </a:ln>
               <a:extLst>
                 <a:ext uri="{91240B29-F687-4f45-9708-019B960494DF}">
-                  <a14:hiddenLine xmlns="" xmlns:a14="http://schemas.microsoft.com/office/drawing/2010/main" w="9525">
+                  <a14:hiddenLine xmlns:a14="http://schemas.microsoft.com/office/drawing/2010/main" xmlns="" w="9525">
                     <a:solidFill>
                       <a:srgbClr val="000000"/>
                     </a:solidFill>
@@ -9768,7 +9768,7 @@
               </a:ln>
               <a:extLst>
                 <a:ext uri="{91240B29-F687-4f45-9708-019B960494DF}">
-                  <a14:hiddenLine xmlns="" xmlns:a14="http://schemas.microsoft.com/office/drawing/2010/main" w="9525">
+                  <a14:hiddenLine xmlns:a14="http://schemas.microsoft.com/office/drawing/2010/main" xmlns="" w="9525">
                     <a:solidFill>
                       <a:srgbClr val="000000"/>
                     </a:solidFill>
@@ -9878,7 +9878,7 @@
               </a:ln>
               <a:extLst>
                 <a:ext uri="{91240B29-F687-4f45-9708-019B960494DF}">
-                  <a14:hiddenLine xmlns="" xmlns:a14="http://schemas.microsoft.com/office/drawing/2010/main" w="9525">
+                  <a14:hiddenLine xmlns:a14="http://schemas.microsoft.com/office/drawing/2010/main" xmlns="" w="9525">
                     <a:solidFill>
                       <a:srgbClr val="000000"/>
                     </a:solidFill>
@@ -9962,7 +9962,7 @@
               </a:ln>
               <a:extLst>
                 <a:ext uri="{91240B29-F687-4f45-9708-019B960494DF}">
-                  <a14:hiddenLine xmlns="" xmlns:a14="http://schemas.microsoft.com/office/drawing/2010/main" w="9525">
+                  <a14:hiddenLine xmlns:a14="http://schemas.microsoft.com/office/drawing/2010/main" xmlns="" w="9525">
                     <a:solidFill>
                       <a:srgbClr val="000000"/>
                     </a:solidFill>
@@ -10024,7 +10024,7 @@
               </a:ln>
               <a:extLst>
                 <a:ext uri="{91240B29-F687-4f45-9708-019B960494DF}">
-                  <a14:hiddenLine xmlns="" xmlns:a14="http://schemas.microsoft.com/office/drawing/2010/main" w="9525">
+                  <a14:hiddenLine xmlns:a14="http://schemas.microsoft.com/office/drawing/2010/main" xmlns="" w="9525">
                     <a:solidFill>
                       <a:srgbClr val="000000"/>
                     </a:solidFill>
@@ -10086,7 +10086,7 @@
               </a:ln>
               <a:extLst>
                 <a:ext uri="{91240B29-F687-4f45-9708-019B960494DF}">
-                  <a14:hiddenLine xmlns="" xmlns:a14="http://schemas.microsoft.com/office/drawing/2010/main" w="9525">
+                  <a14:hiddenLine xmlns:a14="http://schemas.microsoft.com/office/drawing/2010/main" xmlns="" w="9525">
                     <a:solidFill>
                       <a:srgbClr val="000000"/>
                     </a:solidFill>
@@ -10176,7 +10176,7 @@
               </a:ln>
               <a:extLst>
                 <a:ext uri="{91240B29-F687-4f45-9708-019B960494DF}">
-                  <a14:hiddenLine xmlns="" xmlns:a14="http://schemas.microsoft.com/office/drawing/2010/main" w="9525">
+                  <a14:hiddenLine xmlns:a14="http://schemas.microsoft.com/office/drawing/2010/main" xmlns="" w="9525">
                     <a:solidFill>
                       <a:srgbClr val="000000"/>
                     </a:solidFill>
@@ -10210,7 +10210,7 @@
               </a:ln>
               <a:extLst>
                 <a:ext uri="{91240B29-F687-4f45-9708-019B960494DF}">
-                  <a14:hiddenLine xmlns="" xmlns:a14="http://schemas.microsoft.com/office/drawing/2010/main" w="9525">
+                  <a14:hiddenLine xmlns:a14="http://schemas.microsoft.com/office/drawing/2010/main" xmlns="" w="9525">
                     <a:solidFill>
                       <a:srgbClr val="000000"/>
                     </a:solidFill>
@@ -10275,7 +10275,7 @@
               </a:ln>
               <a:extLst>
                 <a:ext uri="{91240B29-F687-4f45-9708-019B960494DF}">
-                  <a14:hiddenLine xmlns="" xmlns:a14="http://schemas.microsoft.com/office/drawing/2010/main" w="9525">
+                  <a14:hiddenLine xmlns:a14="http://schemas.microsoft.com/office/drawing/2010/main" xmlns="" w="9525">
                     <a:solidFill>
                       <a:srgbClr val="000000"/>
                     </a:solidFill>
@@ -10365,7 +10365,7 @@
               </a:ln>
               <a:extLst>
                 <a:ext uri="{91240B29-F687-4f45-9708-019B960494DF}">
-                  <a14:hiddenLine xmlns="" xmlns:a14="http://schemas.microsoft.com/office/drawing/2010/main" w="9525">
+                  <a14:hiddenLine xmlns:a14="http://schemas.microsoft.com/office/drawing/2010/main" xmlns="" w="9525">
                     <a:solidFill>
                       <a:srgbClr val="000000"/>
                     </a:solidFill>
@@ -10427,7 +10427,7 @@
               </a:ln>
               <a:extLst>
                 <a:ext uri="{91240B29-F687-4f45-9708-019B960494DF}">
-                  <a14:hiddenLine xmlns="" xmlns:a14="http://schemas.microsoft.com/office/drawing/2010/main" w="9525">
+                  <a14:hiddenLine xmlns:a14="http://schemas.microsoft.com/office/drawing/2010/main" xmlns="" w="9525">
                     <a:solidFill>
                       <a:srgbClr val="000000"/>
                     </a:solidFill>
@@ -10517,7 +10517,7 @@
               </a:ln>
               <a:extLst>
                 <a:ext uri="{91240B29-F687-4f45-9708-019B960494DF}">
-                  <a14:hiddenLine xmlns="" xmlns:a14="http://schemas.microsoft.com/office/drawing/2010/main" w="9525">
+                  <a14:hiddenLine xmlns:a14="http://schemas.microsoft.com/office/drawing/2010/main" xmlns="" w="9525">
                     <a:solidFill>
                       <a:srgbClr val="000000"/>
                     </a:solidFill>
@@ -10582,7 +10582,7 @@
               </a:ln>
               <a:extLst>
                 <a:ext uri="{91240B29-F687-4f45-9708-019B960494DF}">
-                  <a14:hiddenLine xmlns="" xmlns:a14="http://schemas.microsoft.com/office/drawing/2010/main" w="9525">
+                  <a14:hiddenLine xmlns:a14="http://schemas.microsoft.com/office/drawing/2010/main" xmlns="" w="9525">
                     <a:solidFill>
                       <a:srgbClr val="000000"/>
                     </a:solidFill>
@@ -10644,7 +10644,7 @@
               </a:ln>
               <a:extLst>
                 <a:ext uri="{91240B29-F687-4f45-9708-019B960494DF}">
-                  <a14:hiddenLine xmlns="" xmlns:a14="http://schemas.microsoft.com/office/drawing/2010/main" w="9525">
+                  <a14:hiddenLine xmlns:a14="http://schemas.microsoft.com/office/drawing/2010/main" xmlns="" w="9525">
                     <a:solidFill>
                       <a:srgbClr val="000000"/>
                     </a:solidFill>
@@ -10734,7 +10734,7 @@
               </a:ln>
               <a:extLst>
                 <a:ext uri="{91240B29-F687-4f45-9708-019B960494DF}">
-                  <a14:hiddenLine xmlns="" xmlns:a14="http://schemas.microsoft.com/office/drawing/2010/main" w="9525">
+                  <a14:hiddenLine xmlns:a14="http://schemas.microsoft.com/office/drawing/2010/main" xmlns="" w="9525">
                     <a:solidFill>
                       <a:srgbClr val="000000"/>
                     </a:solidFill>
@@ -10824,7 +10824,7 @@
               </a:ln>
               <a:extLst>
                 <a:ext uri="{91240B29-F687-4f45-9708-019B960494DF}">
-                  <a14:hiddenLine xmlns="" xmlns:a14="http://schemas.microsoft.com/office/drawing/2010/main" w="9525">
+                  <a14:hiddenLine xmlns:a14="http://schemas.microsoft.com/office/drawing/2010/main" xmlns="" w="9525">
                     <a:solidFill>
                       <a:srgbClr val="000000"/>
                     </a:solidFill>
@@ -10889,7 +10889,7 @@
               </a:ln>
               <a:extLst>
                 <a:ext uri="{91240B29-F687-4f45-9708-019B960494DF}">
-                  <a14:hiddenLine xmlns="" xmlns:a14="http://schemas.microsoft.com/office/drawing/2010/main" w="9525">
+                  <a14:hiddenLine xmlns:a14="http://schemas.microsoft.com/office/drawing/2010/main" xmlns="" w="9525">
                     <a:solidFill>
                       <a:srgbClr val="000000"/>
                     </a:solidFill>
@@ -11009,7 +11009,7 @@
               </a:ln>
               <a:extLst>
                 <a:ext uri="{91240B29-F687-4f45-9708-019B960494DF}">
-                  <a14:hiddenLine xmlns="" xmlns:a14="http://schemas.microsoft.com/office/drawing/2010/main" w="9525">
+                  <a14:hiddenLine xmlns:a14="http://schemas.microsoft.com/office/drawing/2010/main" xmlns="" w="9525">
                     <a:solidFill>
                       <a:srgbClr val="000000"/>
                     </a:solidFill>
@@ -11090,7 +11090,7 @@
               </a:ln>
               <a:extLst>
                 <a:ext uri="{91240B29-F687-4f45-9708-019B960494DF}">
-                  <a14:hiddenLine xmlns="" xmlns:a14="http://schemas.microsoft.com/office/drawing/2010/main" w="9525">
+                  <a14:hiddenLine xmlns:a14="http://schemas.microsoft.com/office/drawing/2010/main" xmlns="" w="9525">
                     <a:solidFill>
                       <a:srgbClr val="000000"/>
                     </a:solidFill>
@@ -11205,7 +11205,7 @@
               </a:ln>
               <a:extLst>
                 <a:ext uri="{91240B29-F687-4f45-9708-019B960494DF}">
-                  <a14:hiddenLine xmlns="" xmlns:a14="http://schemas.microsoft.com/office/drawing/2010/main" w="9525">
+                  <a14:hiddenLine xmlns:a14="http://schemas.microsoft.com/office/drawing/2010/main" xmlns="" w="9525">
                     <a:solidFill>
                       <a:srgbClr val="000000"/>
                     </a:solidFill>
@@ -11295,7 +11295,7 @@
               </a:ln>
               <a:extLst>
                 <a:ext uri="{91240B29-F687-4f45-9708-019B960494DF}">
-                  <a14:hiddenLine xmlns="" xmlns:a14="http://schemas.microsoft.com/office/drawing/2010/main" w="9525">
+                  <a14:hiddenLine xmlns:a14="http://schemas.microsoft.com/office/drawing/2010/main" xmlns="" w="9525">
                     <a:solidFill>
                       <a:srgbClr val="000000"/>
                     </a:solidFill>
@@ -11360,7 +11360,7 @@
               </a:ln>
               <a:extLst>
                 <a:ext uri="{91240B29-F687-4f45-9708-019B960494DF}">
-                  <a14:hiddenLine xmlns="" xmlns:a14="http://schemas.microsoft.com/office/drawing/2010/main" w="9525">
+                  <a14:hiddenLine xmlns:a14="http://schemas.microsoft.com/office/drawing/2010/main" xmlns="" w="9525">
                     <a:solidFill>
                       <a:srgbClr val="000000"/>
                     </a:solidFill>
@@ -11450,7 +11450,7 @@
               </a:ln>
               <a:extLst>
                 <a:ext uri="{91240B29-F687-4f45-9708-019B960494DF}">
-                  <a14:hiddenLine xmlns="" xmlns:a14="http://schemas.microsoft.com/office/drawing/2010/main" w="9525">
+                  <a14:hiddenLine xmlns:a14="http://schemas.microsoft.com/office/drawing/2010/main" xmlns="" w="9525">
                     <a:solidFill>
                       <a:srgbClr val="000000"/>
                     </a:solidFill>
@@ -11518,7 +11518,7 @@
               </a:ln>
               <a:extLst>
                 <a:ext uri="{91240B29-F687-4f45-9708-019B960494DF}">
-                  <a14:hiddenLine xmlns="" xmlns:a14="http://schemas.microsoft.com/office/drawing/2010/main" w="9525">
+                  <a14:hiddenLine xmlns:a14="http://schemas.microsoft.com/office/drawing/2010/main" xmlns="" w="9525">
                     <a:solidFill>
                       <a:srgbClr val="000000"/>
                     </a:solidFill>
@@ -11608,7 +11608,7 @@
               </a:ln>
               <a:extLst>
                 <a:ext uri="{91240B29-F687-4f45-9708-019B960494DF}">
-                  <a14:hiddenLine xmlns="" xmlns:a14="http://schemas.microsoft.com/office/drawing/2010/main" w="9525">
+                  <a14:hiddenLine xmlns:a14="http://schemas.microsoft.com/office/drawing/2010/main" xmlns="" w="9525">
                     <a:solidFill>
                       <a:srgbClr val="000000"/>
                     </a:solidFill>
@@ -11676,7 +11676,7 @@
               </a:ln>
               <a:extLst>
                 <a:ext uri="{91240B29-F687-4f45-9708-019B960494DF}">
-                  <a14:hiddenLine xmlns="" xmlns:a14="http://schemas.microsoft.com/office/drawing/2010/main" w="9525">
+                  <a14:hiddenLine xmlns:a14="http://schemas.microsoft.com/office/drawing/2010/main" xmlns="" w="9525">
                     <a:solidFill>
                       <a:srgbClr val="000000"/>
                     </a:solidFill>
@@ -11766,7 +11766,7 @@
               </a:ln>
               <a:extLst>
                 <a:ext uri="{91240B29-F687-4f45-9708-019B960494DF}">
-                  <a14:hiddenLine xmlns="" xmlns:a14="http://schemas.microsoft.com/office/drawing/2010/main" w="9525">
+                  <a14:hiddenLine xmlns:a14="http://schemas.microsoft.com/office/drawing/2010/main" xmlns="" w="9525">
                     <a:solidFill>
                       <a:srgbClr val="000000"/>
                     </a:solidFill>
@@ -11800,7 +11800,7 @@
               </a:ln>
               <a:extLst>
                 <a:ext uri="{91240B29-F687-4f45-9708-019B960494DF}">
-                  <a14:hiddenLine xmlns="" xmlns:a14="http://schemas.microsoft.com/office/drawing/2010/main" w="9525">
+                  <a14:hiddenLine xmlns:a14="http://schemas.microsoft.com/office/drawing/2010/main" xmlns="" w="9525">
                     <a:solidFill>
                       <a:srgbClr val="000000"/>
                     </a:solidFill>
@@ -11941,7 +11941,7 @@
             <a:fld id="{48A87A34-81AB-432B-8DAE-1953F412C126}" type="datetimeFigureOut">
               <a:rPr lang="en-US" dirty="0"/>
               <a:pPr/>
-              <a:t>10/26/2014</a:t>
+              <a:t>10/27/2014</a:t>
             </a:fld>
             <a:endParaRPr lang="en-US" dirty="0"/>
           </a:p>
@@ -12594,8 +12594,8 @@
         </p:nvSpPr>
         <p:spPr>
           <a:xfrm>
-            <a:off x="1744662" y="1960990"/>
-            <a:ext cx="8699500" cy="4579715"/>
+            <a:off x="417024" y="2097088"/>
+            <a:ext cx="5500200" cy="3970318"/>
           </a:xfrm>
           <a:prstGeom prst="rect">
             <a:avLst/>
@@ -12615,9 +12615,21 @@
               <a:buChar char="•"/>
             </a:pPr>
             <a:r>
-              <a:rPr lang="en-US" altLang="en-US" sz="3600" dirty="0"/>
-              <a:t>based on common dictionary words</a:t>
-            </a:r>
+              <a:rPr lang="en-US" altLang="en-US" sz="2800" dirty="0"/>
+              <a:t>based on common dictionary </a:t>
+            </a:r>
+            <a:r>
+              <a:rPr lang="en-US" altLang="en-US" sz="2800" dirty="0" smtClean="0"/>
+              <a:t>words</a:t>
+            </a:r>
+          </a:p>
+          <a:p>
+            <a:pPr lvl="1">
+              <a:lnSpc>
+                <a:spcPct val="90000"/>
+              </a:lnSpc>
+            </a:pPr>
+            <a:endParaRPr lang="en-US" altLang="en-US" sz="2800" dirty="0"/>
           </a:p>
           <a:p>
             <a:pPr marL="800100" lvl="1" indent="-342900">
@@ -12628,19 +12640,11 @@
               <a:buChar char="•"/>
             </a:pPr>
             <a:r>
-              <a:rPr lang="en-US" altLang="en-US" sz="3600" dirty="0" smtClean="0">
-                <a:solidFill>
-                  <a:srgbClr val="92D050"/>
-                </a:solidFill>
-              </a:rPr>
+              <a:rPr lang="en-US" altLang="en-US" sz="2800" dirty="0" smtClean="0"/>
               <a:t>based </a:t>
             </a:r>
             <a:r>
-              <a:rPr lang="en-US" altLang="en-US" sz="3600" dirty="0">
-                <a:solidFill>
-                  <a:srgbClr val="92D050"/>
-                </a:solidFill>
-              </a:rPr>
+              <a:rPr lang="en-US" altLang="en-US" sz="2800" dirty="0"/>
               <a:t>on common names</a:t>
             </a:r>
           </a:p>
@@ -12652,10 +12656,7 @@
               <a:buFont typeface="Arial" panose="020B0604020202020204" pitchFamily="34" charset="0"/>
               <a:buChar char="•"/>
             </a:pPr>
-            <a:r>
-              <a:rPr lang="en-US" altLang="en-US" sz="3600" dirty="0"/>
-              <a:t>based on user/account identifier</a:t>
-            </a:r>
+            <a:endParaRPr lang="en-US" altLang="en-US" sz="2800" dirty="0" smtClean="0"/>
           </a:p>
           <a:p>
             <a:pPr marL="800100" lvl="1" indent="-342900">
@@ -12666,12 +12667,12 @@
               <a:buChar char="•"/>
             </a:pPr>
             <a:r>
-              <a:rPr lang="en-US" altLang="en-US" sz="3600" dirty="0">
-                <a:solidFill>
-                  <a:srgbClr val="92D050"/>
-                </a:solidFill>
-              </a:rPr>
-              <a:t>short (under 6 characters)</a:t>
+              <a:rPr lang="en-US" altLang="en-US" sz="2800" dirty="0" smtClean="0"/>
+              <a:t>based </a:t>
+            </a:r>
+            <a:r>
+              <a:rPr lang="en-US" altLang="en-US" sz="2800" dirty="0"/>
+              <a:t>on user/account identifier</a:t>
             </a:r>
           </a:p>
           <a:p>
@@ -12682,10 +12683,7 @@
               <a:buFont typeface="Arial" panose="020B0604020202020204" pitchFamily="34" charset="0"/>
               <a:buChar char="•"/>
             </a:pPr>
-            <a:r>
-              <a:rPr lang="en-US" altLang="en-US" sz="3600" dirty="0"/>
-              <a:t>based on keyboard patterns (e.g., “qwerty”)</a:t>
-            </a:r>
+            <a:endParaRPr lang="en-US" altLang="en-US" sz="2800" dirty="0" smtClean="0"/>
           </a:p>
           <a:p>
             <a:pPr marL="800100" lvl="1" indent="-342900">
@@ -12696,44 +12694,12 @@
               <a:buChar char="•"/>
             </a:pPr>
             <a:r>
-              <a:rPr lang="en-US" altLang="en-US" sz="3600" dirty="0">
-                <a:solidFill>
-                  <a:srgbClr val="92D050"/>
-                </a:solidFill>
-              </a:rPr>
-              <a:t>composed of </a:t>
-            </a:r>
-            <a:r>
-              <a:rPr lang="en-US" altLang="en-US" sz="3600" dirty="0" smtClean="0">
-                <a:solidFill>
-                  <a:srgbClr val="92D050"/>
-                </a:solidFill>
-              </a:rPr>
-              <a:t>a single character </a:t>
-            </a:r>
-            <a:r>
-              <a:rPr lang="en-US" altLang="en-US" sz="3600" dirty="0">
-                <a:solidFill>
-                  <a:srgbClr val="92D050"/>
-                </a:solidFill>
-              </a:rPr>
-              <a:t>type (e.g., all </a:t>
-            </a:r>
-            <a:r>
-              <a:rPr lang="en-US" altLang="en-US" sz="3600" dirty="0" smtClean="0">
-                <a:solidFill>
-                  <a:srgbClr val="92D050"/>
-                </a:solidFill>
-              </a:rPr>
-              <a:t>lowercase characters</a:t>
-            </a:r>
-            <a:r>
-              <a:rPr lang="en-US" altLang="en-US" sz="3600" dirty="0">
-                <a:solidFill>
-                  <a:srgbClr val="92D050"/>
-                </a:solidFill>
-              </a:rPr>
-              <a:t>)</a:t>
+              <a:rPr lang="en-US" altLang="en-US" sz="2800" dirty="0" smtClean="0"/>
+              <a:t>short </a:t>
+            </a:r>
+            <a:r>
+              <a:rPr lang="en-US" altLang="en-US" sz="2800" dirty="0"/>
+              <a:t>(under 6 characters)</a:t>
             </a:r>
           </a:p>
           <a:p>
@@ -12744,15 +12710,93 @@
               <a:buFont typeface="Arial" panose="020B0604020202020204" pitchFamily="34" charset="0"/>
               <a:buChar char="•"/>
             </a:pPr>
-            <a:r>
-              <a:rPr lang="en-US" altLang="en-US" sz="3600" dirty="0"/>
-              <a:t>resemble license plate </a:t>
-            </a:r>
-            <a:r>
-              <a:rPr lang="en-US" altLang="en-US" sz="3600" dirty="0" smtClean="0"/>
-              <a:t>values</a:t>
-            </a:r>
-            <a:endParaRPr lang="en-US" altLang="en-US" sz="3600" dirty="0"/>
+            <a:endParaRPr lang="en-US" altLang="en-US" sz="2800" dirty="0" smtClean="0"/>
+          </a:p>
+        </p:txBody>
+      </p:sp>
+      <p:sp>
+        <p:nvSpPr>
+          <p:cNvPr id="4" name="Rectangle 3"/>
+          <p:cNvSpPr/>
+          <p:nvPr/>
+        </p:nvSpPr>
+        <p:spPr>
+          <a:xfrm>
+            <a:off x="5456299" y="2097088"/>
+            <a:ext cx="6096000" cy="2806922"/>
+          </a:xfrm>
+          <a:prstGeom prst="rect">
+            <a:avLst/>
+          </a:prstGeom>
+        </p:spPr>
+        <p:txBody>
+          <a:bodyPr>
+            <a:spAutoFit/>
+          </a:bodyPr>
+          <a:lstStyle/>
+          <a:p>
+            <a:pPr marL="800100" lvl="1" indent="-342900">
+              <a:lnSpc>
+                <a:spcPct val="90000"/>
+              </a:lnSpc>
+              <a:buFont typeface="Arial" panose="020B0604020202020204" pitchFamily="34" charset="0"/>
+              <a:buChar char="•"/>
+            </a:pPr>
+            <a:r>
+              <a:rPr lang="en-US" altLang="en-US" sz="2800" dirty="0"/>
+              <a:t>based on keyboard patterns (e.g., “qwerty”)</a:t>
+            </a:r>
+          </a:p>
+          <a:p>
+            <a:pPr marL="800100" lvl="1" indent="-342900">
+              <a:lnSpc>
+                <a:spcPct val="90000"/>
+              </a:lnSpc>
+              <a:buFont typeface="Arial" panose="020B0604020202020204" pitchFamily="34" charset="0"/>
+              <a:buChar char="•"/>
+            </a:pPr>
+            <a:endParaRPr lang="en-US" altLang="en-US" sz="2800" dirty="0"/>
+          </a:p>
+          <a:p>
+            <a:pPr marL="800100" lvl="1" indent="-342900">
+              <a:lnSpc>
+                <a:spcPct val="90000"/>
+              </a:lnSpc>
+              <a:buFont typeface="Arial" panose="020B0604020202020204" pitchFamily="34" charset="0"/>
+              <a:buChar char="•"/>
+            </a:pPr>
+            <a:r>
+              <a:rPr lang="en-US" altLang="en-US" sz="2800" dirty="0"/>
+              <a:t>composed of a single character type (e.g., all lowercase characters)</a:t>
+            </a:r>
+          </a:p>
+          <a:p>
+            <a:pPr marL="800100" lvl="1" indent="-342900">
+              <a:lnSpc>
+                <a:spcPct val="90000"/>
+              </a:lnSpc>
+              <a:buFont typeface="Arial" panose="020B0604020202020204" pitchFamily="34" charset="0"/>
+              <a:buChar char="•"/>
+            </a:pPr>
+            <a:endParaRPr lang="en-US" altLang="en-US" sz="2800" dirty="0" smtClean="0"/>
+          </a:p>
+          <a:p>
+            <a:pPr marL="800100" lvl="1" indent="-342900">
+              <a:lnSpc>
+                <a:spcPct val="90000"/>
+              </a:lnSpc>
+              <a:buFont typeface="Arial" panose="020B0604020202020204" pitchFamily="34" charset="0"/>
+              <a:buChar char="•"/>
+            </a:pPr>
+            <a:r>
+              <a:rPr lang="en-US" altLang="en-US" sz="2800" dirty="0" smtClean="0"/>
+              <a:t>resemble </a:t>
+            </a:r>
+            <a:r>
+              <a:rPr lang="en-US" altLang="en-US" sz="2800" dirty="0"/>
+              <a:t>license plate values</a:t>
+            </a:r>
+            <a:endParaRPr lang="en-US" altLang="en-US" sz="2800" dirty="0"/>
           </a:p>
         </p:txBody>
       </p:sp>
@@ -12969,7 +13013,6 @@
               <a:rPr lang="en-US" altLang="en-US" sz="3200" dirty="0"/>
               <a:t>T3CH&amp;R3pU8Lic</a:t>
             </a:r>
-            <a:endParaRPr lang="en-US" altLang="en-US" sz="3200" dirty="0"/>
           </a:p>
         </p:txBody>
       </p:sp>
@@ -13205,11 +13248,7 @@
               <a:buChar char="•"/>
             </a:pPr>
             <a:r>
-              <a:rPr lang="en-US" sz="2800" dirty="0" smtClean="0">
-                <a:solidFill>
-                  <a:srgbClr val="92D050"/>
-                </a:solidFill>
-              </a:rPr>
+              <a:rPr lang="en-US" sz="2800" dirty="0" smtClean="0"/>
               <a:t>Every year major sites are breached by criminals.</a:t>
             </a:r>
           </a:p>
@@ -13229,11 +13268,7 @@
               <a:buChar char="•"/>
             </a:pPr>
             <a:r>
-              <a:rPr lang="en-US" sz="2800" dirty="0" smtClean="0">
-                <a:solidFill>
-                  <a:srgbClr val="92D050"/>
-                </a:solidFill>
-              </a:rPr>
+              <a:rPr lang="en-US" sz="2800" dirty="0" smtClean="0"/>
               <a:t>Having multiple strong passwords can be impossible to remember.</a:t>
             </a:r>
           </a:p>
@@ -13423,8 +13458,8 @@
         </p:nvSpPr>
         <p:spPr>
           <a:xfrm>
-            <a:off x="1085878" y="2400300"/>
-            <a:ext cx="10037107" cy="3108543"/>
+            <a:off x="1252932" y="2092569"/>
+            <a:ext cx="8657114" cy="4278094"/>
           </a:xfrm>
           <a:prstGeom prst="rect">
             <a:avLst/>
@@ -13455,7 +13490,7 @@
               <a:buChar char="•"/>
             </a:pPr>
             <a:r>
-              <a:rPr lang="en-US" sz="2800" dirty="0" smtClean="0"/>
+              <a:rPr lang="en-US" sz="2400" dirty="0" smtClean="0"/>
               <a:t>Store unique passwords for every site/service</a:t>
             </a:r>
           </a:p>
@@ -13464,14 +13499,7 @@
               <a:buFont typeface="Arial" panose="020B0604020202020204" pitchFamily="34" charset="0"/>
               <a:buChar char="•"/>
             </a:pPr>
-            <a:r>
-              <a:rPr lang="en-US" sz="2800" dirty="0" smtClean="0">
-                <a:solidFill>
-                  <a:srgbClr val="92D050"/>
-                </a:solidFill>
-              </a:rPr>
-              <a:t>Remember a single strong password to access all others</a:t>
-            </a:r>
+            <a:endParaRPr lang="en-US" sz="2400" dirty="0" smtClean="0"/>
           </a:p>
           <a:p>
             <a:pPr marL="285750" indent="-285750">
@@ -13479,8 +13507,12 @@
               <a:buChar char="•"/>
             </a:pPr>
             <a:r>
-              <a:rPr lang="en-US" sz="2800" dirty="0" smtClean="0"/>
-              <a:t>Automatically enters passwords into login screens</a:t>
+              <a:rPr lang="en-US" sz="2400" dirty="0" smtClean="0"/>
+              <a:t>Remember </a:t>
+            </a:r>
+            <a:r>
+              <a:rPr lang="en-US" sz="2400" dirty="0" smtClean="0"/>
+              <a:t>a single strong password to access all others</a:t>
             </a:r>
           </a:p>
           <a:p>
@@ -13488,14 +13520,7 @@
               <a:buFont typeface="Arial" panose="020B0604020202020204" pitchFamily="34" charset="0"/>
               <a:buChar char="•"/>
             </a:pPr>
-            <a:r>
-              <a:rPr lang="en-US" sz="2800" dirty="0" smtClean="0">
-                <a:solidFill>
-                  <a:srgbClr val="92D050"/>
-                </a:solidFill>
-              </a:rPr>
-              <a:t>Informs you of password strength</a:t>
-            </a:r>
+            <a:endParaRPr lang="en-US" sz="2400" dirty="0" smtClean="0"/>
           </a:p>
           <a:p>
             <a:pPr marL="285750" indent="-285750">
@@ -13503,26 +13528,72 @@
               <a:buChar char="•"/>
             </a:pPr>
             <a:r>
-              <a:rPr lang="en-US" sz="2800" dirty="0" smtClean="0"/>
-              <a:t>Cross platform (shares passwords across windows, </a:t>
-            </a:r>
-            <a:r>
-              <a:rPr lang="en-US" sz="2800" dirty="0" err="1" smtClean="0"/>
+              <a:rPr lang="en-US" sz="2400" dirty="0" smtClean="0"/>
+              <a:t>Automatically </a:t>
+            </a:r>
+            <a:r>
+              <a:rPr lang="en-US" sz="2400" dirty="0" smtClean="0"/>
+              <a:t>enters passwords into login screens</a:t>
+            </a:r>
+          </a:p>
+          <a:p>
+            <a:pPr marL="285750" indent="-285750">
+              <a:buFont typeface="Arial" panose="020B0604020202020204" pitchFamily="34" charset="0"/>
+              <a:buChar char="•"/>
+            </a:pPr>
+            <a:endParaRPr lang="en-US" sz="2400" dirty="0" smtClean="0"/>
+          </a:p>
+          <a:p>
+            <a:pPr marL="285750" indent="-285750">
+              <a:buFont typeface="Arial" panose="020B0604020202020204" pitchFamily="34" charset="0"/>
+              <a:buChar char="•"/>
+            </a:pPr>
+            <a:r>
+              <a:rPr lang="en-US" sz="2400" dirty="0" smtClean="0"/>
+              <a:t>Informs </a:t>
+            </a:r>
+            <a:r>
+              <a:rPr lang="en-US" sz="2400" dirty="0" smtClean="0"/>
+              <a:t>you of password strength</a:t>
+            </a:r>
+          </a:p>
+          <a:p>
+            <a:pPr marL="285750" indent="-285750">
+              <a:buFont typeface="Arial" panose="020B0604020202020204" pitchFamily="34" charset="0"/>
+              <a:buChar char="•"/>
+            </a:pPr>
+            <a:endParaRPr lang="en-US" sz="2400" dirty="0" smtClean="0"/>
+          </a:p>
+          <a:p>
+            <a:pPr marL="285750" indent="-285750">
+              <a:buFont typeface="Arial" panose="020B0604020202020204" pitchFamily="34" charset="0"/>
+              <a:buChar char="•"/>
+            </a:pPr>
+            <a:r>
+              <a:rPr lang="en-US" sz="2400" dirty="0" smtClean="0"/>
+              <a:t>Cross </a:t>
+            </a:r>
+            <a:r>
+              <a:rPr lang="en-US" sz="2400" dirty="0" smtClean="0"/>
+              <a:t>platform (shares passwords across windows, </a:t>
+            </a:r>
+            <a:r>
+              <a:rPr lang="en-US" sz="2400" dirty="0" err="1" smtClean="0"/>
               <a:t>ios</a:t>
             </a:r>
             <a:r>
-              <a:rPr lang="en-US" sz="2800" dirty="0" smtClean="0"/>
+              <a:rPr lang="en-US" sz="2400" dirty="0" smtClean="0"/>
               <a:t>, android, </a:t>
             </a:r>
             <a:r>
-              <a:rPr lang="en-US" sz="2800" dirty="0" err="1" smtClean="0"/>
+              <a:rPr lang="en-US" sz="2400" dirty="0" err="1" smtClean="0"/>
               <a:t>etc</a:t>
             </a:r>
             <a:r>
-              <a:rPr lang="en-US" sz="2800" dirty="0" smtClean="0"/>
+              <a:rPr lang="en-US" sz="2400" dirty="0" smtClean="0"/>
               <a:t>)</a:t>
             </a:r>
-            <a:endParaRPr lang="en-US" sz="2800" dirty="0"/>
+            <a:endParaRPr lang="en-US" sz="2400" dirty="0"/>
           </a:p>
         </p:txBody>
       </p:sp>
@@ -16596,7 +16667,7 @@
         </p:nvSpPr>
         <p:spPr>
           <a:xfrm>
-            <a:off x="976313" y="631218"/>
+            <a:off x="835636" y="305903"/>
             <a:ext cx="9905998" cy="613382"/>
           </a:xfrm>
         </p:spPr>
@@ -16621,8 +16692,8 @@
         </p:nvSpPr>
         <p:spPr>
           <a:xfrm>
-            <a:off x="1763711" y="1553182"/>
-            <a:ext cx="9118600" cy="4154984"/>
+            <a:off x="1266092" y="1244600"/>
+            <a:ext cx="9803423" cy="4893647"/>
           </a:xfrm>
           <a:prstGeom prst="rect">
             <a:avLst/>
@@ -16648,8 +16719,15 @@
             </a:r>
             <a:r>
               <a:rPr lang="en-US" sz="2400" dirty="0"/>
-              <a:t>". Low entropy is easier to guess, high entropy is harder to guess.</a:t>
-            </a:r>
+              <a:t>". Low entropy is easier to guess, high entropy is harder to guess</a:t>
+            </a:r>
+            <a:r>
+              <a:rPr lang="en-US" sz="2400" dirty="0" smtClean="0"/>
+              <a:t>.</a:t>
+            </a:r>
+          </a:p>
+          <a:p>
+            <a:endParaRPr lang="en-US" sz="2400" dirty="0"/>
           </a:p>
           <a:p>
             <a:pPr marL="457200" indent="-457200">
@@ -16657,11 +16735,7 @@
               <a:buChar char="•"/>
             </a:pPr>
             <a:r>
-              <a:rPr lang="en-US" sz="2400" dirty="0">
-                <a:solidFill>
-                  <a:srgbClr val="92D050"/>
-                </a:solidFill>
-              </a:rPr>
+              <a:rPr lang="en-US" sz="2400" dirty="0"/>
               <a:t>The primary aspect is randomness. A non-random password, like "secret", is easily guessed. A random password, like "8jh$#F" is harder to guess.</a:t>
             </a:r>
           </a:p>
@@ -16670,10 +16744,7 @@
               <a:buFont typeface="Arial" panose="020B0604020202020204" pitchFamily="34" charset="0"/>
               <a:buChar char="•"/>
             </a:pPr>
-            <a:r>
-              <a:rPr lang="en-US" sz="2400" dirty="0"/>
-              <a:t>Length plays a part, too. "secret of a lifetime man" is not much more random than "secret", but the additional length means it is harder for a brute-force attack to crack, and therefore it has better "entropy".</a:t>
-            </a:r>
+            <a:endParaRPr lang="en-US" sz="2400" dirty="0" smtClean="0"/>
           </a:p>
           <a:p>
             <a:pPr marL="457200" indent="-457200">
@@ -16681,12 +16752,33 @@
               <a:buChar char="•"/>
             </a:pPr>
             <a:r>
-              <a:rPr lang="en-US" sz="2400" dirty="0">
-                <a:solidFill>
-                  <a:srgbClr val="92D050"/>
-                </a:solidFill>
-              </a:rPr>
-              <a:t>So, to a layman: A good password has high entropy, which means it is hard to guess, uses multiple character types (upper-lower-number-symbol), and the longer the better.</a:t>
+              <a:rPr lang="en-US" sz="2400" dirty="0" smtClean="0"/>
+              <a:t>Length </a:t>
+            </a:r>
+            <a:r>
+              <a:rPr lang="en-US" sz="2400" dirty="0"/>
+              <a:t>plays a part, too. "secret of a lifetime man" is not much more random than "secret", but the additional length means it is harder for a brute-force attack to crack, and therefore it has better "entropy".</a:t>
+            </a:r>
+          </a:p>
+          <a:p>
+            <a:pPr marL="457200" indent="-457200">
+              <a:buFont typeface="Arial" panose="020B0604020202020204" pitchFamily="34" charset="0"/>
+              <a:buChar char="•"/>
+            </a:pPr>
+            <a:endParaRPr lang="en-US" sz="2400" dirty="0" smtClean="0"/>
+          </a:p>
+          <a:p>
+            <a:pPr marL="457200" indent="-457200">
+              <a:buFont typeface="Arial" panose="020B0604020202020204" pitchFamily="34" charset="0"/>
+              <a:buChar char="•"/>
+            </a:pPr>
+            <a:r>
+              <a:rPr lang="en-US" sz="2400" dirty="0" smtClean="0"/>
+              <a:t>So</a:t>
+            </a:r>
+            <a:r>
+              <a:rPr lang="en-US" sz="2400" dirty="0"/>
+              <a:t>, to a layman: A good password has high entropy, which means it is hard to guess, uses multiple character types (upper-lower-number-symbol), and the longer the better.</a:t>
             </a:r>
           </a:p>
         </p:txBody>
@@ -16848,9 +16940,6 @@
               </a:rPr>
               <a:t>Special characters ( !, *, $, or other punctuation symbols).</a:t>
             </a:r>
-            <a:endParaRPr lang="en-US" altLang="en-US" sz="2800" dirty="0">
-              <a:latin typeface="Times" panose="02020603050405020304" pitchFamily="18" charset="0"/>
-            </a:endParaRPr>
           </a:p>
         </p:txBody>
       </p:sp>
